--- a/Scouting_Julio-2015.pptx
+++ b/Scouting_Julio-2015.pptx
@@ -5945,7 +5945,7 @@
                 <a:spcPct val="100000"/>
               </a:lnSpc>
             </a:pPr>
-            <a:fld id="{47836A90-AC67-4DB3-828D-2AB8C0FFC306}" type="slidenum">
+            <a:fld id="{B48EA48E-56C7-4E1C-956C-3FBE9C754106}" type="slidenum">
               <a:rPr lang="es-CO" sz="1300" strike="noStrike">
                 <a:solidFill>
                   <a:srgbClr val="8b8b8b"/>
@@ -6205,7 +6205,7 @@
                 <a:spcPct val="100000"/>
               </a:lnSpc>
             </a:pPr>
-            <a:fld id="{A2A3FD00-484B-4116-AE56-7BB11C708B9A}" type="slidenum">
+            <a:fld id="{896067D9-761F-4387-AC53-1AC32BB414B1}" type="slidenum">
               <a:rPr lang="es-CO" sz="1300" strike="noStrike">
                 <a:solidFill>
                   <a:srgbClr val="8b8b8b"/>
@@ -6679,7 +6679,7 @@
                 <a:spcPct val="100000"/>
               </a:lnSpc>
             </a:pPr>
-            <a:fld id="{DB769312-9C72-41C5-BD0D-5B7CD40FE795}" type="slidenum">
+            <a:fld id="{F2321A34-2525-4870-AC8C-4CC8875177B2}" type="slidenum">
               <a:rPr lang="es-CO" sz="1300" strike="noStrike">
                 <a:solidFill>
                   <a:srgbClr val="8b8b8b"/>
@@ -7078,7 +7078,7 @@
                 <a:spcPct val="100000"/>
               </a:lnSpc>
             </a:pPr>
-            <a:fld id="{A5084EC9-94EA-4054-B987-027AB192ADE7}" type="slidenum">
+            <a:fld id="{3DA3FC5E-5369-44CF-AD71-FF3667178332}" type="slidenum">
               <a:rPr lang="es-CO" sz="1300" strike="noStrike">
                 <a:solidFill>
                   <a:srgbClr val="8b8b8b"/>
@@ -7257,7 +7257,7 @@
                 <a:spcPct val="100000"/>
               </a:lnSpc>
             </a:pPr>
-            <a:fld id="{B9A6B529-6454-4D2F-B2A7-A6210DDC97CC}" type="slidenum">
+            <a:fld id="{95FCC4E6-617D-4382-B577-62208C226AD7}" type="slidenum">
               <a:rPr lang="es-CO" sz="1300" strike="noStrike">
                 <a:solidFill>
                   <a:srgbClr val="8b8b8b"/>
@@ -12030,7 +12030,7 @@
                 <a:latin typeface="Arial"/>
                 <a:ea typeface="Droid Sans"/>
               </a:rPr>
-              <a:t>9 años por MinEducación</a:t>
+              <a:t>10 años por MinEducación</a:t>
             </a:r>
             <a:endParaRPr/>
           </a:p>
@@ -12051,7 +12051,7 @@
                 <a:latin typeface="Arial"/>
                 <a:ea typeface="Droid Sans"/>
               </a:rPr>
-              <a:t>QS – Ranking (262)</a:t>
+              <a:t>QS – Ranking (262/271 en Ciencias)</a:t>
             </a:r>
             <a:endParaRPr/>
           </a:p>
